--- a/endpoint_library_presentation.pptx
+++ b/endpoint_library_presentation.pptx
@@ -21,6 +21,7 @@
     <p:sldId id="269" r:id="rId20"/>
     <p:sldId id="270" r:id="rId21"/>
     <p:sldId id="271" r:id="rId22"/>
+    <p:sldId id="272" r:id="rId23"/>
   </p:sldIdLst>
   <p:sldSz cx="9144000" cy="6858000" type="screen4x3"/>
   <p:notesSz cx="6858000" cy="9144000"/>
@@ -3958,7 +3959,7 @@
               </a:defRPr>
             </a:pPr>
             <a:r>
-              <a:t>Maintainability at Scale</a:t>
+              <a:t>Team Scalability</a:t>
             </a:r>
           </a:p>
         </p:txBody>
@@ -4039,7 +4040,7 @@
               </a:defRPr>
             </a:pPr>
             <a:r>
-              <a:t>• API contract encoded in the type system</a:t>
+              <a:t>• Work can be parallelized across team members</a:t>
             </a:r>
           </a:p>
           <a:p>
@@ -4054,7 +4055,7 @@
               </a:defRPr>
             </a:pPr>
             <a:r>
-              <a:t>• Change a constraint once, propagates everywhere</a:t>
+              <a:t>• Endpoint development decoupled from Ansible module work</a:t>
             </a:r>
           </a:p>
           <a:p>
@@ -4069,7 +4070,7 @@
               </a:defRPr>
             </a:pPr>
             <a:r>
-              <a:t>• Clear separation makes debugging easier</a:t>
+              <a:t>• Clear module boundaries reduce merge conflicts</a:t>
             </a:r>
           </a:p>
           <a:p>
@@ -4084,7 +4085,7 @@
               </a:defRPr>
             </a:pPr>
             <a:r>
-              <a:t>• Consistent patterns reduce cognitive load</a:t>
+              <a:t>• New contributors can focus on one domain without full codebase knowledge</a:t>
             </a:r>
           </a:p>
           <a:p>
@@ -4099,7 +4100,7 @@
               </a:defRPr>
             </a:pPr>
             <a:r>
-              <a:t>• Documentation lives with the code</a:t>
+              <a:t>• Enables efficient resource allocation across projects</a:t>
             </a:r>
           </a:p>
         </p:txBody>
@@ -4152,7 +4153,7 @@
               </a:defRPr>
             </a:pPr>
             <a:r>
-              <a:t>Graceful Degradation</a:t>
+              <a:t>Maintainability at Scale</a:t>
             </a:r>
           </a:p>
         </p:txBody>
@@ -4233,7 +4234,7 @@
               </a:defRPr>
             </a:pPr>
             <a:r>
-              <a:t>• Works with or without Pydantic installed</a:t>
+              <a:t>• API contract encoded in the type system</a:t>
             </a:r>
           </a:p>
           <a:p>
@@ -4248,7 +4249,7 @@
               </a:defRPr>
             </a:pPr>
             <a:r>
-              <a:t>• Fallback classes maintain basic functionality</a:t>
+              <a:t>• Change a constraint once, propagates everywhere</a:t>
             </a:r>
           </a:p>
           <a:p>
@@ -4263,7 +4264,7 @@
               </a:defRPr>
             </a:pPr>
             <a:r>
-              <a:t>• Supports diverse deployment environments</a:t>
+              <a:t>• Clear separation makes debugging easier</a:t>
             </a:r>
           </a:p>
           <a:p>
@@ -4278,7 +4279,22 @@
               </a:defRPr>
             </a:pPr>
             <a:r>
-              <a:t>• Full validation when Pydantic available</a:t>
+              <a:t>• Consistent patterns reduce cognitive load</a:t>
+            </a:r>
+          </a:p>
+          <a:p>
+            <a:pPr>
+              <a:spcAft>
+                <a:spcPts val="1200"/>
+              </a:spcAft>
+              <a:defRPr sz="2000">
+                <a:solidFill>
+                  <a:srgbClr val="333333"/>
+                </a:solidFill>
+              </a:defRPr>
+            </a:pPr>
+            <a:r>
+              <a:t>• Documentation lives with the code</a:t>
             </a:r>
           </a:p>
         </p:txBody>
@@ -4331,7 +4347,7 @@
               </a:defRPr>
             </a:pPr>
             <a:r>
-              <a:t>Summary</a:t>
+              <a:t>Graceful Degradation</a:t>
             </a:r>
           </a:p>
         </p:txBody>
@@ -4412,7 +4428,7 @@
               </a:defRPr>
             </a:pPr>
             <a:r>
-              <a:t>• Yes, it's more code upfront</a:t>
+              <a:t>• Works with or without Pydantic installed</a:t>
             </a:r>
           </a:p>
           <a:p>
@@ -4427,7 +4443,7 @@
               </a:defRPr>
             </a:pPr>
             <a:r>
-              <a:t>• But: fewer runtime errors, better IDE support</a:t>
+              <a:t>• Fallback classes maintain basic functionality</a:t>
             </a:r>
           </a:p>
           <a:p>
@@ -4442,7 +4458,7 @@
               </a:defRPr>
             </a:pPr>
             <a:r>
-              <a:t>• Centralized API knowledge = easier maintenance</a:t>
+              <a:t>• Supports diverse deployment environments</a:t>
             </a:r>
           </a:p>
           <a:p>
@@ -4457,22 +4473,7 @@
               </a:defRPr>
             </a:pPr>
             <a:r>
-              <a:t>• Type safety catches bugs before they ship</a:t>
-            </a:r>
-          </a:p>
-          <a:p>
-            <a:pPr>
-              <a:spcAft>
-                <a:spcPts val="1200"/>
-              </a:spcAft>
-              <a:defRPr sz="2000">
-                <a:solidFill>
-                  <a:srgbClr val="333333"/>
-                </a:solidFill>
-              </a:defRPr>
-            </a:pPr>
-            <a:r>
-              <a:t>• Investment pays off as codebase scales</a:t>
+              <a:t>• Full validation when Pydantic available</a:t>
             </a:r>
           </a:p>
         </p:txBody>
@@ -4486,6 +4487,200 @@
 </file>
 
 <file path=ppt/slides/slide16.xml><?xml version="1.0" encoding="utf-8"?>
+<p:sld xmlns:a="http://schemas.openxmlformats.org/drawingml/2006/main" xmlns:p="http://schemas.openxmlformats.org/presentationml/2006/main" xmlns:r="http://schemas.openxmlformats.org/officeDocument/2006/relationships">
+  <p:cSld>
+    <p:spTree>
+      <p:nvGrpSpPr>
+        <p:cNvPr id="1" name=""/>
+        <p:cNvGrpSpPr/>
+        <p:nvPr/>
+      </p:nvGrpSpPr>
+      <p:grpSpPr/>
+      <p:sp>
+        <p:nvSpPr>
+          <p:cNvPr id="2" name="TextBox 1"/>
+          <p:cNvSpPr txBox="1"/>
+          <p:nvPr/>
+        </p:nvSpPr>
+        <p:spPr>
+          <a:xfrm>
+            <a:off x="457200" y="365760"/>
+            <a:ext cx="8229600" cy="731520"/>
+          </a:xfrm>
+          <a:prstGeom prst="rect">
+            <a:avLst/>
+          </a:prstGeom>
+          <a:noFill/>
+        </p:spPr>
+        <p:txBody>
+          <a:bodyPr wrap="none">
+            <a:spAutoFit/>
+          </a:bodyPr>
+          <a:lstStyle/>
+          <a:p>
+            <a:pPr>
+              <a:defRPr sz="3200" b="1">
+                <a:solidFill>
+                  <a:srgbClr val="1A1A2E"/>
+                </a:solidFill>
+              </a:defRPr>
+            </a:pPr>
+            <a:r>
+              <a:t>Summary</a:t>
+            </a:r>
+          </a:p>
+        </p:txBody>
+      </p:sp>
+      <p:sp>
+        <p:nvSpPr>
+          <p:cNvPr id="3" name="Rectangle 2"/>
+          <p:cNvSpPr/>
+          <p:nvPr/>
+        </p:nvSpPr>
+        <p:spPr>
+          <a:xfrm>
+            <a:off x="457200" y="1051560"/>
+            <a:ext cx="8229600" cy="27432"/>
+          </a:xfrm>
+          <a:prstGeom prst="rect">
+            <a:avLst/>
+          </a:prstGeom>
+          <a:solidFill>
+            <a:srgbClr val="007ACC"/>
+          </a:solidFill>
+          <a:ln>
+            <a:noFill/>
+          </a:ln>
+        </p:spPr>
+        <p:style>
+          <a:lnRef idx="1">
+            <a:schemeClr val="accent1"/>
+          </a:lnRef>
+          <a:fillRef idx="3">
+            <a:schemeClr val="accent1"/>
+          </a:fillRef>
+          <a:effectRef idx="2">
+            <a:schemeClr val="accent1"/>
+          </a:effectRef>
+          <a:fontRef idx="minor">
+            <a:schemeClr val="lt1"/>
+          </a:fontRef>
+        </p:style>
+        <p:txBody>
+          <a:bodyPr rtlCol="0" anchor="ctr"/>
+          <a:lstStyle/>
+          <a:p>
+            <a:pPr algn="ctr"/>
+          </a:p>
+        </p:txBody>
+      </p:sp>
+      <p:sp>
+        <p:nvSpPr>
+          <p:cNvPr id="4" name="TextBox 3"/>
+          <p:cNvSpPr txBox="1"/>
+          <p:nvPr/>
+        </p:nvSpPr>
+        <p:spPr>
+          <a:xfrm>
+            <a:off x="457200" y="1280160"/>
+            <a:ext cx="8229600" cy="4114800"/>
+          </a:xfrm>
+          <a:prstGeom prst="rect">
+            <a:avLst/>
+          </a:prstGeom>
+          <a:noFill/>
+        </p:spPr>
+        <p:txBody>
+          <a:bodyPr wrap="square">
+            <a:spAutoFit/>
+          </a:bodyPr>
+          <a:lstStyle/>
+          <a:p>
+            <a:pPr>
+              <a:spcAft>
+                <a:spcPts val="1200"/>
+              </a:spcAft>
+              <a:defRPr sz="2000">
+                <a:solidFill>
+                  <a:srgbClr val="333333"/>
+                </a:solidFill>
+              </a:defRPr>
+            </a:pPr>
+            <a:r>
+              <a:t>• Yes, it's more code upfront</a:t>
+            </a:r>
+          </a:p>
+          <a:p>
+            <a:pPr>
+              <a:spcAft>
+                <a:spcPts val="1200"/>
+              </a:spcAft>
+              <a:defRPr sz="2000">
+                <a:solidFill>
+                  <a:srgbClr val="333333"/>
+                </a:solidFill>
+              </a:defRPr>
+            </a:pPr>
+            <a:r>
+              <a:t>• But: fewer runtime errors, better IDE support</a:t>
+            </a:r>
+          </a:p>
+          <a:p>
+            <a:pPr>
+              <a:spcAft>
+                <a:spcPts val="1200"/>
+              </a:spcAft>
+              <a:defRPr sz="2000">
+                <a:solidFill>
+                  <a:srgbClr val="333333"/>
+                </a:solidFill>
+              </a:defRPr>
+            </a:pPr>
+            <a:r>
+              <a:t>• Centralized API knowledge = easier maintenance</a:t>
+            </a:r>
+          </a:p>
+          <a:p>
+            <a:pPr>
+              <a:spcAft>
+                <a:spcPts val="1200"/>
+              </a:spcAft>
+              <a:defRPr sz="2000">
+                <a:solidFill>
+                  <a:srgbClr val="333333"/>
+                </a:solidFill>
+              </a:defRPr>
+            </a:pPr>
+            <a:r>
+              <a:t>• Type safety catches bugs before they ship</a:t>
+            </a:r>
+          </a:p>
+          <a:p>
+            <a:pPr>
+              <a:spcAft>
+                <a:spcPts val="1200"/>
+              </a:spcAft>
+              <a:defRPr sz="2000">
+                <a:solidFill>
+                  <a:srgbClr val="333333"/>
+                </a:solidFill>
+              </a:defRPr>
+            </a:pPr>
+            <a:r>
+              <a:t>• Investment pays off as codebase scales</a:t>
+            </a:r>
+          </a:p>
+        </p:txBody>
+      </p:sp>
+    </p:spTree>
+  </p:cSld>
+  <p:clrMapOvr>
+    <a:masterClrMapping/>
+  </p:clrMapOvr>
+</p:sld>
+</file>
+
+<file path=ppt/slides/slide17.xml><?xml version="1.0" encoding="utf-8"?>
 <p:sld xmlns:a="http://schemas.openxmlformats.org/drawingml/2006/main" xmlns:p="http://schemas.openxmlformats.org/presentationml/2006/main" xmlns:r="http://schemas.openxmlformats.org/officeDocument/2006/relationships">
   <p:cSld>
     <p:spTree>
